--- a/docs/SystemComponentDiagram.pptx
+++ b/docs/SystemComponentDiagram.pptx
@@ -192,7 +192,7 @@
           <a:p>
             <a:fld id="{4D27829B-A026-B64B-B395-AC4B05582AB4}" type="datetimeFigureOut">
               <a:rPr lang="en-US" smtClean="0"/>
-              <a:t>07/11/15</a:t>
+              <a:t>08/11/15</a:t>
             </a:fld>
             <a:endParaRPr lang="en-US"/>
           </a:p>
@@ -725,7 +725,7 @@
           <a:p>
             <a:fld id="{39C8D21C-E873-BC4C-8149-4E6DEC8AD89A}" type="datetimeFigureOut">
               <a:rPr lang="en-US" smtClean="0"/>
-              <a:t>07/11/15</a:t>
+              <a:t>08/11/15</a:t>
             </a:fld>
             <a:endParaRPr lang="en-US"/>
           </a:p>
@@ -895,7 +895,7 @@
           <a:p>
             <a:fld id="{39C8D21C-E873-BC4C-8149-4E6DEC8AD89A}" type="datetimeFigureOut">
               <a:rPr lang="en-US" smtClean="0"/>
-              <a:t>07/11/15</a:t>
+              <a:t>08/11/15</a:t>
             </a:fld>
             <a:endParaRPr lang="en-US"/>
           </a:p>
@@ -1075,7 +1075,7 @@
           <a:p>
             <a:fld id="{39C8D21C-E873-BC4C-8149-4E6DEC8AD89A}" type="datetimeFigureOut">
               <a:rPr lang="en-US" smtClean="0"/>
-              <a:t>07/11/15</a:t>
+              <a:t>08/11/15</a:t>
             </a:fld>
             <a:endParaRPr lang="en-US"/>
           </a:p>
@@ -1245,7 +1245,7 @@
           <a:p>
             <a:fld id="{39C8D21C-E873-BC4C-8149-4E6DEC8AD89A}" type="datetimeFigureOut">
               <a:rPr lang="en-US" smtClean="0"/>
-              <a:t>07/11/15</a:t>
+              <a:t>08/11/15</a:t>
             </a:fld>
             <a:endParaRPr lang="en-US"/>
           </a:p>
@@ -1491,7 +1491,7 @@
           <a:p>
             <a:fld id="{39C8D21C-E873-BC4C-8149-4E6DEC8AD89A}" type="datetimeFigureOut">
               <a:rPr lang="en-US" smtClean="0"/>
-              <a:t>07/11/15</a:t>
+              <a:t>08/11/15</a:t>
             </a:fld>
             <a:endParaRPr lang="en-US"/>
           </a:p>
@@ -1779,7 +1779,7 @@
           <a:p>
             <a:fld id="{39C8D21C-E873-BC4C-8149-4E6DEC8AD89A}" type="datetimeFigureOut">
               <a:rPr lang="en-US" smtClean="0"/>
-              <a:t>07/11/15</a:t>
+              <a:t>08/11/15</a:t>
             </a:fld>
             <a:endParaRPr lang="en-US"/>
           </a:p>
@@ -2201,7 +2201,7 @@
           <a:p>
             <a:fld id="{39C8D21C-E873-BC4C-8149-4E6DEC8AD89A}" type="datetimeFigureOut">
               <a:rPr lang="en-US" smtClean="0"/>
-              <a:t>07/11/15</a:t>
+              <a:t>08/11/15</a:t>
             </a:fld>
             <a:endParaRPr lang="en-US"/>
           </a:p>
@@ -2319,7 +2319,7 @@
           <a:p>
             <a:fld id="{39C8D21C-E873-BC4C-8149-4E6DEC8AD89A}" type="datetimeFigureOut">
               <a:rPr lang="en-US" smtClean="0"/>
-              <a:t>07/11/15</a:t>
+              <a:t>08/11/15</a:t>
             </a:fld>
             <a:endParaRPr lang="en-US"/>
           </a:p>
@@ -2414,7 +2414,7 @@
           <a:p>
             <a:fld id="{39C8D21C-E873-BC4C-8149-4E6DEC8AD89A}" type="datetimeFigureOut">
               <a:rPr lang="en-US" smtClean="0"/>
-              <a:t>07/11/15</a:t>
+              <a:t>08/11/15</a:t>
             </a:fld>
             <a:endParaRPr lang="en-US"/>
           </a:p>
@@ -2691,7 +2691,7 @@
           <a:p>
             <a:fld id="{39C8D21C-E873-BC4C-8149-4E6DEC8AD89A}" type="datetimeFigureOut">
               <a:rPr lang="en-US" smtClean="0"/>
-              <a:t>07/11/15</a:t>
+              <a:t>08/11/15</a:t>
             </a:fld>
             <a:endParaRPr lang="en-US"/>
           </a:p>
@@ -2944,7 +2944,7 @@
           <a:p>
             <a:fld id="{39C8D21C-E873-BC4C-8149-4E6DEC8AD89A}" type="datetimeFigureOut">
               <a:rPr lang="en-US" smtClean="0"/>
-              <a:t>07/11/15</a:t>
+              <a:t>08/11/15</a:t>
             </a:fld>
             <a:endParaRPr lang="en-US"/>
           </a:p>
@@ -3157,7 +3157,7 @@
           <a:p>
             <a:fld id="{39C8D21C-E873-BC4C-8149-4E6DEC8AD89A}" type="datetimeFigureOut">
               <a:rPr lang="en-US" smtClean="0"/>
-              <a:t>07/11/15</a:t>
+              <a:t>08/11/15</a:t>
             </a:fld>
             <a:endParaRPr lang="en-US"/>
           </a:p>
@@ -3573,23 +3573,7 @@
                   <a:schemeClr val="tx1"/>
                 </a:solidFill>
               </a:rPr>
-              <a:t>MTA </a:t>
-            </a:r>
-            <a:r>
-              <a:rPr lang="en-US" dirty="0" smtClean="0">
-                <a:solidFill>
-                  <a:schemeClr val="tx1"/>
-                </a:solidFill>
-              </a:rPr>
-              <a:t>Service </a:t>
-            </a:r>
-            <a:r>
-              <a:rPr lang="en-US" dirty="0" smtClean="0">
-                <a:solidFill>
-                  <a:schemeClr val="tx1"/>
-                </a:solidFill>
-              </a:rPr>
-              <a:t>Container</a:t>
+              <a:t>MTA Service Container</a:t>
             </a:r>
             <a:endParaRPr lang="en-US" dirty="0">
               <a:solidFill>
@@ -3841,15 +3825,7 @@
                     <a:srgbClr val="000000"/>
                   </a:solidFill>
                 </a:rPr>
-                <a:t>JSON </a:t>
-              </a:r>
-              <a:r>
-                <a:rPr lang="en-US" dirty="0" smtClean="0">
-                  <a:solidFill>
-                    <a:srgbClr val="000000"/>
-                  </a:solidFill>
-                </a:rPr>
-                <a:t>API</a:t>
+                <a:t>JSON API</a:t>
               </a:r>
               <a:endParaRPr lang="en-US" dirty="0">
                 <a:solidFill>
@@ -4284,8 +4260,8 @@
           <a:p>
             <a:pPr algn="ctr"/>
             <a:r>
-              <a:rPr lang="en-US" sz="1600" dirty="0" smtClean="0"/>
-              <a:t>Mandrill</a:t>
+              <a:rPr lang="en-US" sz="1600" dirty="0" err="1" smtClean="0"/>
+              <a:t>SendGrid</a:t>
             </a:r>
             <a:endParaRPr lang="en-US" sz="1600" dirty="0"/>
           </a:p>

--- a/docs/SystemComponentDiagram.pptx
+++ b/docs/SystemComponentDiagram.pptx
@@ -3661,8 +3661,9 @@
             <a:pPr algn="ctr"/>
             <a:r>
               <a:rPr lang="en-US" dirty="0" smtClean="0"/>
-              <a:t>MD</a:t>
-            </a:r>
+              <a:t>SG</a:t>
+            </a:r>
+            <a:endParaRPr lang="en-US" dirty="0" smtClean="0"/>
           </a:p>
         </p:txBody>
       </p:sp>
